--- a/ACRYSIONwithAirbrush.pptx
+++ b/ACRYSIONwithAirbrush.pptx
@@ -1,6 +1,6 @@
 
 <file path=ppt/presentation.xml><?xml version="1.0" encoding="utf-8"?>
-<p:presentation xmlns:a="http://schemas.openxmlformats.org/drawingml/2006/main" xmlns:r="http://schemas.openxmlformats.org/officeDocument/2006/relationships" xmlns:p="http://schemas.openxmlformats.org/presentationml/2006/main" showSpecialPlsOnTitleSld="0" saveSubsetFonts="1">
+<p:presentation xmlns:a="http://schemas.openxmlformats.org/drawingml/2006/main" xmlns:r="http://schemas.openxmlformats.org/officeDocument/2006/relationships" xmlns:p="http://schemas.openxmlformats.org/presentationml/2006/main" showSpecialPlsOnTitleSld="0" removePersonalInfoOnSave="1" saveSubsetFonts="1">
   <p:sldMasterIdLst>
     <p:sldMasterId id="2147483648" r:id="rId1"/>
   </p:sldMasterIdLst>
@@ -196,6 +196,7 @@
           <a:p>
             <a:fld id="{D9D2D364-7947-49BB-8970-C8940DE18D92}" type="datetimeFigureOut">
               <a:rPr kumimoji="1" lang="ja-JP" altLang="en-US" smtClean="0"/>
+              <a:pPr/>
               <a:t>2020/5/10</a:t>
             </a:fld>
             <a:endParaRPr kumimoji="1" lang="ja-JP" altLang="en-US"/>
@@ -389,6 +390,7 @@
           <a:p>
             <a:fld id="{02B3032D-6400-4533-A53F-8BD614EC1384}" type="slidenum">
               <a:rPr kumimoji="1" lang="ja-JP" altLang="en-US" smtClean="0"/>
+              <a:pPr/>
               <a:t>&lt;#&gt;</a:t>
             </a:fld>
             <a:endParaRPr kumimoji="1" lang="ja-JP" altLang="en-US"/>
@@ -560,6 +562,7 @@
           <a:p>
             <a:fld id="{02B3032D-6400-4533-A53F-8BD614EC1384}" type="slidenum">
               <a:rPr kumimoji="1" lang="ja-JP" altLang="en-US" smtClean="0"/>
+              <a:pPr/>
               <a:t>1</a:t>
             </a:fld>
             <a:endParaRPr kumimoji="1" lang="ja-JP" altLang="en-US"/>
@@ -641,6 +644,7 @@
           <a:p>
             <a:fld id="{02B3032D-6400-4533-A53F-8BD614EC1384}" type="slidenum">
               <a:rPr kumimoji="1" lang="ja-JP" altLang="en-US" smtClean="0"/>
+              <a:pPr/>
               <a:t>2</a:t>
             </a:fld>
             <a:endParaRPr kumimoji="1" lang="ja-JP" altLang="en-US"/>
@@ -722,6 +726,7 @@
           <a:p>
             <a:fld id="{02B3032D-6400-4533-A53F-8BD614EC1384}" type="slidenum">
               <a:rPr kumimoji="1" lang="ja-JP" altLang="en-US" smtClean="0"/>
+              <a:pPr/>
               <a:t>3</a:t>
             </a:fld>
             <a:endParaRPr kumimoji="1" lang="ja-JP" altLang="en-US"/>
@@ -803,6 +808,7 @@
           <a:p>
             <a:fld id="{02B3032D-6400-4533-A53F-8BD614EC1384}" type="slidenum">
               <a:rPr kumimoji="1" lang="ja-JP" altLang="en-US" smtClean="0"/>
+              <a:pPr/>
               <a:t>4</a:t>
             </a:fld>
             <a:endParaRPr kumimoji="1" lang="ja-JP" altLang="en-US"/>
@@ -884,6 +890,7 @@
           <a:p>
             <a:fld id="{02B3032D-6400-4533-A53F-8BD614EC1384}" type="slidenum">
               <a:rPr kumimoji="1" lang="ja-JP" altLang="en-US" smtClean="0"/>
+              <a:pPr/>
               <a:t>5</a:t>
             </a:fld>
             <a:endParaRPr kumimoji="1" lang="ja-JP" altLang="en-US"/>
@@ -1092,6 +1099,7 @@
           <a:p>
             <a:fld id="{69AA1D6C-EAF7-4E72-A2E3-3BD137A3FCC5}" type="datetime1">
               <a:rPr kumimoji="1" lang="ja-JP" altLang="en-US" smtClean="0"/>
+              <a:pPr/>
               <a:t>2020/5/10</a:t>
             </a:fld>
             <a:endParaRPr kumimoji="1" lang="ja-JP" altLang="en-US"/>
@@ -1134,6 +1142,7 @@
           <a:p>
             <a:fld id="{238F9A43-F33B-4795-8C8B-BB713306F7D6}" type="slidenum">
               <a:rPr kumimoji="1" lang="ja-JP" altLang="en-US" smtClean="0"/>
+              <a:pPr/>
               <a:t>&lt;#&gt;</a:t>
             </a:fld>
             <a:endParaRPr kumimoji="1" lang="ja-JP" altLang="en-US"/>
@@ -1289,6 +1298,7 @@
           <a:p>
             <a:fld id="{C72220D2-4671-4F80-BE7D-E6D9E3226CD7}" type="datetime1">
               <a:rPr kumimoji="1" lang="ja-JP" altLang="en-US" smtClean="0"/>
+              <a:pPr/>
               <a:t>2020/5/10</a:t>
             </a:fld>
             <a:endParaRPr kumimoji="1" lang="ja-JP" altLang="en-US"/>
@@ -1331,6 +1341,7 @@
           <a:p>
             <a:fld id="{238F9A43-F33B-4795-8C8B-BB713306F7D6}" type="slidenum">
               <a:rPr kumimoji="1" lang="ja-JP" altLang="en-US" smtClean="0"/>
+              <a:pPr/>
               <a:t>&lt;#&gt;</a:t>
             </a:fld>
             <a:endParaRPr kumimoji="1" lang="ja-JP" altLang="en-US"/>
@@ -1496,6 +1507,7 @@
           <a:p>
             <a:fld id="{29062035-6E12-4BB6-AE31-93442582C3C0}" type="datetime1">
               <a:rPr kumimoji="1" lang="ja-JP" altLang="en-US" smtClean="0"/>
+              <a:pPr/>
               <a:t>2020/5/10</a:t>
             </a:fld>
             <a:endParaRPr kumimoji="1" lang="ja-JP" altLang="en-US"/>
@@ -1538,6 +1550,7 @@
           <a:p>
             <a:fld id="{238F9A43-F33B-4795-8C8B-BB713306F7D6}" type="slidenum">
               <a:rPr kumimoji="1" lang="ja-JP" altLang="en-US" smtClean="0"/>
+              <a:pPr/>
               <a:t>&lt;#&gt;</a:t>
             </a:fld>
             <a:endParaRPr kumimoji="1" lang="ja-JP" altLang="en-US"/>
@@ -1743,6 +1756,7 @@
           <a:p>
             <a:fld id="{57E89F9A-73A8-485D-B3AC-24E9E5569C14}" type="datetime1">
               <a:rPr kumimoji="1" lang="ja-JP" altLang="en-US" smtClean="0"/>
+              <a:pPr/>
               <a:t>2020/5/10</a:t>
             </a:fld>
             <a:endParaRPr kumimoji="1" lang="ja-JP" altLang="en-US"/>
@@ -1785,6 +1799,7 @@
           <a:p>
             <a:fld id="{238F9A43-F33B-4795-8C8B-BB713306F7D6}" type="slidenum">
               <a:rPr kumimoji="1" lang="ja-JP" altLang="en-US" smtClean="0"/>
+              <a:pPr/>
               <a:t>&lt;#&gt;</a:t>
             </a:fld>
             <a:endParaRPr kumimoji="1" lang="ja-JP" altLang="en-US"/>
@@ -1984,6 +1999,7 @@
           <a:p>
             <a:fld id="{75F42B45-FAB2-40B3-9DAD-01FB453F7661}" type="datetime1">
               <a:rPr kumimoji="1" lang="ja-JP" altLang="en-US" smtClean="0"/>
+              <a:pPr/>
               <a:t>2020/5/10</a:t>
             </a:fld>
             <a:endParaRPr kumimoji="1" lang="ja-JP" altLang="en-US"/>
@@ -2026,6 +2042,7 @@
           <a:p>
             <a:fld id="{238F9A43-F33B-4795-8C8B-BB713306F7D6}" type="slidenum">
               <a:rPr kumimoji="1" lang="ja-JP" altLang="en-US" smtClean="0"/>
+              <a:pPr/>
               <a:t>&lt;#&gt;</a:t>
             </a:fld>
             <a:endParaRPr kumimoji="1" lang="ja-JP" altLang="en-US"/>
@@ -2331,6 +2348,7 @@
           <a:p>
             <a:fld id="{D1091869-C622-4E99-A4FC-EEB1610D1243}" type="datetime1">
               <a:rPr kumimoji="1" lang="ja-JP" altLang="en-US" smtClean="0"/>
+              <a:pPr/>
               <a:t>2020/5/10</a:t>
             </a:fld>
             <a:endParaRPr kumimoji="1" lang="ja-JP" altLang="en-US"/>
@@ -2373,6 +2391,7 @@
           <a:p>
             <a:fld id="{238F9A43-F33B-4795-8C8B-BB713306F7D6}" type="slidenum">
               <a:rPr kumimoji="1" lang="ja-JP" altLang="en-US" smtClean="0"/>
+              <a:pPr/>
               <a:t>&lt;#&gt;</a:t>
             </a:fld>
             <a:endParaRPr kumimoji="1" lang="ja-JP" altLang="en-US"/>
@@ -2812,6 +2831,7 @@
           <a:p>
             <a:fld id="{C796A756-75E9-4F4E-AAEB-46393331C2A5}" type="datetime1">
               <a:rPr kumimoji="1" lang="ja-JP" altLang="en-US" smtClean="0"/>
+              <a:pPr/>
               <a:t>2020/5/10</a:t>
             </a:fld>
             <a:endParaRPr kumimoji="1" lang="ja-JP" altLang="en-US"/>
@@ -2854,6 +2874,7 @@
           <a:p>
             <a:fld id="{238F9A43-F33B-4795-8C8B-BB713306F7D6}" type="slidenum">
               <a:rPr kumimoji="1" lang="ja-JP" altLang="en-US" smtClean="0"/>
+              <a:pPr/>
               <a:t>&lt;#&gt;</a:t>
             </a:fld>
             <a:endParaRPr kumimoji="1" lang="ja-JP" altLang="en-US"/>
@@ -2925,6 +2946,7 @@
           <a:p>
             <a:fld id="{0DAA5E74-B02D-47EC-A636-B055CF5135F8}" type="datetime1">
               <a:rPr kumimoji="1" lang="ja-JP" altLang="en-US" smtClean="0"/>
+              <a:pPr/>
               <a:t>2020/5/10</a:t>
             </a:fld>
             <a:endParaRPr kumimoji="1" lang="ja-JP" altLang="en-US"/>
@@ -2967,6 +2989,7 @@
           <a:p>
             <a:fld id="{238F9A43-F33B-4795-8C8B-BB713306F7D6}" type="slidenum">
               <a:rPr kumimoji="1" lang="ja-JP" altLang="en-US" smtClean="0"/>
+              <a:pPr/>
               <a:t>&lt;#&gt;</a:t>
             </a:fld>
             <a:endParaRPr kumimoji="1" lang="ja-JP" altLang="en-US"/>
@@ -3015,6 +3038,7 @@
           <a:p>
             <a:fld id="{FC58F6BD-7760-4039-BCBC-8BF1D042B1F6}" type="datetime1">
               <a:rPr kumimoji="1" lang="ja-JP" altLang="en-US" smtClean="0"/>
+              <a:pPr/>
               <a:t>2020/5/10</a:t>
             </a:fld>
             <a:endParaRPr kumimoji="1" lang="ja-JP" altLang="en-US"/>
@@ -3057,6 +3081,7 @@
           <a:p>
             <a:fld id="{238F9A43-F33B-4795-8C8B-BB713306F7D6}" type="slidenum">
               <a:rPr kumimoji="1" lang="ja-JP" altLang="en-US" smtClean="0"/>
+              <a:pPr/>
               <a:t>&lt;#&gt;</a:t>
             </a:fld>
             <a:endParaRPr kumimoji="1" lang="ja-JP" altLang="en-US"/>
@@ -3319,6 +3344,7 @@
           <a:p>
             <a:fld id="{2594347A-1BB3-43CD-A688-B08658EBDAAF}" type="datetime1">
               <a:rPr kumimoji="1" lang="ja-JP" altLang="en-US" smtClean="0"/>
+              <a:pPr/>
               <a:t>2020/5/10</a:t>
             </a:fld>
             <a:endParaRPr kumimoji="1" lang="ja-JP" altLang="en-US"/>
@@ -3361,6 +3387,7 @@
           <a:p>
             <a:fld id="{238F9A43-F33B-4795-8C8B-BB713306F7D6}" type="slidenum">
               <a:rPr kumimoji="1" lang="ja-JP" altLang="en-US" smtClean="0"/>
+              <a:pPr/>
               <a:t>&lt;#&gt;</a:t>
             </a:fld>
             <a:endParaRPr kumimoji="1" lang="ja-JP" altLang="en-US"/>
@@ -3567,6 +3594,7 @@
           <a:p>
             <a:fld id="{E9D5B6C3-6F18-4962-9D23-D1027A30C66B}" type="datetime1">
               <a:rPr kumimoji="1" lang="ja-JP" altLang="en-US" smtClean="0"/>
+              <a:pPr/>
               <a:t>2020/5/10</a:t>
             </a:fld>
             <a:endParaRPr kumimoji="1" lang="ja-JP" altLang="en-US"/>
@@ -3609,6 +3637,7 @@
           <a:p>
             <a:fld id="{238F9A43-F33B-4795-8C8B-BB713306F7D6}" type="slidenum">
               <a:rPr kumimoji="1" lang="ja-JP" altLang="en-US" smtClean="0"/>
+              <a:pPr/>
               <a:t>&lt;#&gt;</a:t>
             </a:fld>
             <a:endParaRPr kumimoji="1" lang="ja-JP" altLang="en-US"/>
@@ -3807,6 +3836,7 @@
           <a:p>
             <a:fld id="{DB321377-DB13-42CF-8C33-0CA1ED4EDAC6}" type="datetime1">
               <a:rPr kumimoji="1" lang="ja-JP" altLang="en-US" smtClean="0"/>
+              <a:pPr/>
               <a:t>2020/5/10</a:t>
             </a:fld>
             <a:endParaRPr kumimoji="1" lang="ja-JP" altLang="en-US"/>
@@ -3885,6 +3915,7 @@
           <a:p>
             <a:fld id="{238F9A43-F33B-4795-8C8B-BB713306F7D6}" type="slidenum">
               <a:rPr kumimoji="1" lang="ja-JP" altLang="en-US" smtClean="0"/>
+              <a:pPr/>
               <a:t>&lt;#&gt;</a:t>
             </a:fld>
             <a:endParaRPr kumimoji="1" lang="ja-JP" altLang="en-US"/>
@@ -4660,6 +4691,7 @@
           <a:p>
             <a:fld id="{4335036B-A90A-411B-A1E7-9EE7861BD42C}" type="datetime1">
               <a:rPr kumimoji="1" lang="ja-JP" altLang="en-US" smtClean="0"/>
+              <a:pPr/>
               <a:t>2020/5/10</a:t>
             </a:fld>
             <a:endParaRPr kumimoji="1" lang="ja-JP" altLang="en-US"/>
@@ -4683,6 +4715,7 @@
           <a:p>
             <a:fld id="{238F9A43-F33B-4795-8C8B-BB713306F7D6}" type="slidenum">
               <a:rPr kumimoji="1" lang="ja-JP" altLang="en-US" smtClean="0"/>
+              <a:pPr/>
               <a:t>2</a:t>
             </a:fld>
             <a:endParaRPr kumimoji="1" lang="ja-JP" altLang="en-US"/>
@@ -5068,6 +5101,7 @@
           <a:p>
             <a:fld id="{6CA57726-05D2-4D9F-A41C-F2E1381B158D}" type="datetime1">
               <a:rPr kumimoji="1" lang="ja-JP" altLang="en-US" smtClean="0"/>
+              <a:pPr/>
               <a:t>2020/5/10</a:t>
             </a:fld>
             <a:endParaRPr kumimoji="1" lang="ja-JP" altLang="en-US"/>
@@ -5091,6 +5125,7 @@
           <a:p>
             <a:fld id="{238F9A43-F33B-4795-8C8B-BB713306F7D6}" type="slidenum">
               <a:rPr kumimoji="1" lang="ja-JP" altLang="en-US" smtClean="0"/>
+              <a:pPr/>
               <a:t>3</a:t>
             </a:fld>
             <a:endParaRPr kumimoji="1" lang="ja-JP" altLang="en-US"/>
@@ -5607,6 +5642,7 @@
           <a:p>
             <a:fld id="{BF53A6DB-6F97-4A40-897D-1BF3EBC36E17}" type="datetime1">
               <a:rPr kumimoji="1" lang="ja-JP" altLang="en-US" smtClean="0"/>
+              <a:pPr/>
               <a:t>2020/5/10</a:t>
             </a:fld>
             <a:endParaRPr kumimoji="1" lang="ja-JP" altLang="en-US"/>
@@ -5630,6 +5666,7 @@
           <a:p>
             <a:fld id="{238F9A43-F33B-4795-8C8B-BB713306F7D6}" type="slidenum">
               <a:rPr kumimoji="1" lang="ja-JP" altLang="en-US" smtClean="0"/>
+              <a:pPr/>
               <a:t>4</a:t>
             </a:fld>
             <a:endParaRPr kumimoji="1" lang="ja-JP" altLang="en-US"/>
@@ -6014,6 +6051,7 @@
           <a:p>
             <a:fld id="{BF53A6DB-6F97-4A40-897D-1BF3EBC36E17}" type="datetime1">
               <a:rPr kumimoji="1" lang="ja-JP" altLang="en-US" smtClean="0"/>
+              <a:pPr/>
               <a:t>2020/5/10</a:t>
             </a:fld>
             <a:endParaRPr kumimoji="1" lang="ja-JP" altLang="en-US"/>
@@ -6037,6 +6075,7 @@
           <a:p>
             <a:fld id="{238F9A43-F33B-4795-8C8B-BB713306F7D6}" type="slidenum">
               <a:rPr kumimoji="1" lang="ja-JP" altLang="en-US" smtClean="0"/>
+              <a:pPr/>
               <a:t>5</a:t>
             </a:fld>
             <a:endParaRPr kumimoji="1" lang="ja-JP" altLang="en-US"/>

--- a/ACRYSIONwithAirbrush.pptx
+++ b/ACRYSIONwithAirbrush.pptx
@@ -5,14 +5,16 @@
     <p:sldMasterId id="2147483648" r:id="rId1"/>
   </p:sldMasterIdLst>
   <p:notesMasterIdLst>
-    <p:notesMasterId r:id="rId7"/>
+    <p:notesMasterId r:id="rId9"/>
   </p:notesMasterIdLst>
   <p:sldIdLst>
     <p:sldId id="256" r:id="rId2"/>
     <p:sldId id="257" r:id="rId3"/>
     <p:sldId id="258" r:id="rId4"/>
     <p:sldId id="259" r:id="rId5"/>
-    <p:sldId id="260" r:id="rId6"/>
+    <p:sldId id="264" r:id="rId6"/>
+    <p:sldId id="263" r:id="rId7"/>
+    <p:sldId id="261" r:id="rId8"/>
   </p:sldIdLst>
   <p:sldSz cx="9144000" cy="6858000" type="screen4x3"/>
   <p:notesSz cx="6858000" cy="9144000"/>
@@ -197,7 +199,7 @@
             <a:fld id="{D9D2D364-7947-49BB-8970-C8940DE18D92}" type="datetimeFigureOut">
               <a:rPr kumimoji="1" lang="ja-JP" altLang="en-US" smtClean="0"/>
               <a:pPr/>
-              <a:t>2020/5/10</a:t>
+              <a:t>2020/8/7</a:t>
             </a:fld>
             <a:endParaRPr kumimoji="1" lang="ja-JP" altLang="en-US"/>
           </a:p>
@@ -905,6 +907,170 @@
 </p:notes>
 </file>
 
+<file path=ppt/notesSlides/notesSlide6.xml><?xml version="1.0" encoding="utf-8"?>
+<p:notes xmlns:a="http://schemas.openxmlformats.org/drawingml/2006/main" xmlns:r="http://schemas.openxmlformats.org/officeDocument/2006/relationships" xmlns:p="http://schemas.openxmlformats.org/presentationml/2006/main">
+  <p:cSld>
+    <p:spTree>
+      <p:nvGrpSpPr>
+        <p:cNvPr id="1" name=""/>
+        <p:cNvGrpSpPr/>
+        <p:nvPr/>
+      </p:nvGrpSpPr>
+      <p:grpSpPr>
+        <a:xfrm>
+          <a:off x="0" y="0"/>
+          <a:ext cx="0" cy="0"/>
+          <a:chOff x="0" y="0"/>
+          <a:chExt cx="0" cy="0"/>
+        </a:xfrm>
+      </p:grpSpPr>
+      <p:sp>
+        <p:nvSpPr>
+          <p:cNvPr id="2" name="スライド イメージ プレースホルダ 1"/>
+          <p:cNvSpPr>
+            <a:spLocks noGrp="1" noRot="1" noChangeAspect="1"/>
+          </p:cNvSpPr>
+          <p:nvPr>
+            <p:ph type="sldImg"/>
+          </p:nvPr>
+        </p:nvSpPr>
+        <p:spPr/>
+      </p:sp>
+      <p:sp>
+        <p:nvSpPr>
+          <p:cNvPr id="3" name="ノート プレースホルダ 2"/>
+          <p:cNvSpPr>
+            <a:spLocks noGrp="1"/>
+          </p:cNvSpPr>
+          <p:nvPr>
+            <p:ph type="body" idx="1"/>
+          </p:nvPr>
+        </p:nvSpPr>
+        <p:spPr/>
+        <p:txBody>
+          <a:bodyPr>
+            <a:normAutofit/>
+          </a:bodyPr>
+          <a:lstStyle/>
+          <a:p>
+            <a:endParaRPr kumimoji="1" lang="ja-JP" altLang="en-US"/>
+          </a:p>
+        </p:txBody>
+      </p:sp>
+      <p:sp>
+        <p:nvSpPr>
+          <p:cNvPr id="4" name="スライド番号プレースホルダ 3"/>
+          <p:cNvSpPr>
+            <a:spLocks noGrp="1"/>
+          </p:cNvSpPr>
+          <p:nvPr>
+            <p:ph type="sldNum" sz="quarter" idx="10"/>
+          </p:nvPr>
+        </p:nvSpPr>
+        <p:spPr/>
+        <p:txBody>
+          <a:bodyPr/>
+          <a:lstStyle/>
+          <a:p>
+            <a:fld id="{02B3032D-6400-4533-A53F-8BD614EC1384}" type="slidenum">
+              <a:rPr kumimoji="1" lang="ja-JP" altLang="en-US" smtClean="0"/>
+              <a:pPr/>
+              <a:t>6</a:t>
+            </a:fld>
+            <a:endParaRPr kumimoji="1" lang="ja-JP" altLang="en-US"/>
+          </a:p>
+        </p:txBody>
+      </p:sp>
+    </p:spTree>
+  </p:cSld>
+  <p:clrMapOvr>
+    <a:masterClrMapping/>
+  </p:clrMapOvr>
+</p:notes>
+</file>
+
+<file path=ppt/notesSlides/notesSlide7.xml><?xml version="1.0" encoding="utf-8"?>
+<p:notes xmlns:a="http://schemas.openxmlformats.org/drawingml/2006/main" xmlns:r="http://schemas.openxmlformats.org/officeDocument/2006/relationships" xmlns:p="http://schemas.openxmlformats.org/presentationml/2006/main">
+  <p:cSld>
+    <p:spTree>
+      <p:nvGrpSpPr>
+        <p:cNvPr id="1" name=""/>
+        <p:cNvGrpSpPr/>
+        <p:nvPr/>
+      </p:nvGrpSpPr>
+      <p:grpSpPr>
+        <a:xfrm>
+          <a:off x="0" y="0"/>
+          <a:ext cx="0" cy="0"/>
+          <a:chOff x="0" y="0"/>
+          <a:chExt cx="0" cy="0"/>
+        </a:xfrm>
+      </p:grpSpPr>
+      <p:sp>
+        <p:nvSpPr>
+          <p:cNvPr id="2" name="スライド イメージ プレースホルダ 1"/>
+          <p:cNvSpPr>
+            <a:spLocks noGrp="1" noRot="1" noChangeAspect="1"/>
+          </p:cNvSpPr>
+          <p:nvPr>
+            <p:ph type="sldImg"/>
+          </p:nvPr>
+        </p:nvSpPr>
+        <p:spPr/>
+      </p:sp>
+      <p:sp>
+        <p:nvSpPr>
+          <p:cNvPr id="3" name="ノート プレースホルダ 2"/>
+          <p:cNvSpPr>
+            <a:spLocks noGrp="1"/>
+          </p:cNvSpPr>
+          <p:nvPr>
+            <p:ph type="body" idx="1"/>
+          </p:nvPr>
+        </p:nvSpPr>
+        <p:spPr/>
+        <p:txBody>
+          <a:bodyPr>
+            <a:normAutofit/>
+          </a:bodyPr>
+          <a:lstStyle/>
+          <a:p>
+            <a:endParaRPr kumimoji="1" lang="ja-JP" altLang="en-US"/>
+          </a:p>
+        </p:txBody>
+      </p:sp>
+      <p:sp>
+        <p:nvSpPr>
+          <p:cNvPr id="4" name="スライド番号プレースホルダ 3"/>
+          <p:cNvSpPr>
+            <a:spLocks noGrp="1"/>
+          </p:cNvSpPr>
+          <p:nvPr>
+            <p:ph type="sldNum" sz="quarter" idx="10"/>
+          </p:nvPr>
+        </p:nvSpPr>
+        <p:spPr/>
+        <p:txBody>
+          <a:bodyPr/>
+          <a:lstStyle/>
+          <a:p>
+            <a:fld id="{02B3032D-6400-4533-A53F-8BD614EC1384}" type="slidenum">
+              <a:rPr kumimoji="1" lang="ja-JP" altLang="en-US" smtClean="0"/>
+              <a:pPr/>
+              <a:t>7</a:t>
+            </a:fld>
+            <a:endParaRPr kumimoji="1" lang="ja-JP" altLang="en-US"/>
+          </a:p>
+        </p:txBody>
+      </p:sp>
+    </p:spTree>
+  </p:cSld>
+  <p:clrMapOvr>
+    <a:masterClrMapping/>
+  </p:clrMapOvr>
+</p:notes>
+</file>
+
 <file path=ppt/slideLayouts/slideLayout1.xml><?xml version="1.0" encoding="utf-8"?>
 <p:sldLayout xmlns:a="http://schemas.openxmlformats.org/drawingml/2006/main" xmlns:r="http://schemas.openxmlformats.org/officeDocument/2006/relationships" xmlns:p="http://schemas.openxmlformats.org/presentationml/2006/main" type="title" preserve="1">
   <p:cSld name="タイトル スライド">
@@ -1100,7 +1266,7 @@
             <a:fld id="{69AA1D6C-EAF7-4E72-A2E3-3BD137A3FCC5}" type="datetime1">
               <a:rPr kumimoji="1" lang="ja-JP" altLang="en-US" smtClean="0"/>
               <a:pPr/>
-              <a:t>2020/5/10</a:t>
+              <a:t>2020/8/7</a:t>
             </a:fld>
             <a:endParaRPr kumimoji="1" lang="ja-JP" altLang="en-US"/>
           </a:p>
@@ -1299,7 +1465,7 @@
             <a:fld id="{C72220D2-4671-4F80-BE7D-E6D9E3226CD7}" type="datetime1">
               <a:rPr kumimoji="1" lang="ja-JP" altLang="en-US" smtClean="0"/>
               <a:pPr/>
-              <a:t>2020/5/10</a:t>
+              <a:t>2020/8/7</a:t>
             </a:fld>
             <a:endParaRPr kumimoji="1" lang="ja-JP" altLang="en-US"/>
           </a:p>
@@ -1508,7 +1674,7 @@
             <a:fld id="{29062035-6E12-4BB6-AE31-93442582C3C0}" type="datetime1">
               <a:rPr kumimoji="1" lang="ja-JP" altLang="en-US" smtClean="0"/>
               <a:pPr/>
-              <a:t>2020/5/10</a:t>
+              <a:t>2020/8/7</a:t>
             </a:fld>
             <a:endParaRPr kumimoji="1" lang="ja-JP" altLang="en-US"/>
           </a:p>
@@ -1757,7 +1923,7 @@
             <a:fld id="{57E89F9A-73A8-485D-B3AC-24E9E5569C14}" type="datetime1">
               <a:rPr kumimoji="1" lang="ja-JP" altLang="en-US" smtClean="0"/>
               <a:pPr/>
-              <a:t>2020/5/10</a:t>
+              <a:t>2020/8/7</a:t>
             </a:fld>
             <a:endParaRPr kumimoji="1" lang="ja-JP" altLang="en-US"/>
           </a:p>
@@ -2000,7 +2166,7 @@
             <a:fld id="{75F42B45-FAB2-40B3-9DAD-01FB453F7661}" type="datetime1">
               <a:rPr kumimoji="1" lang="ja-JP" altLang="en-US" smtClean="0"/>
               <a:pPr/>
-              <a:t>2020/5/10</a:t>
+              <a:t>2020/8/7</a:t>
             </a:fld>
             <a:endParaRPr kumimoji="1" lang="ja-JP" altLang="en-US"/>
           </a:p>
@@ -2349,7 +2515,7 @@
             <a:fld id="{D1091869-C622-4E99-A4FC-EEB1610D1243}" type="datetime1">
               <a:rPr kumimoji="1" lang="ja-JP" altLang="en-US" smtClean="0"/>
               <a:pPr/>
-              <a:t>2020/5/10</a:t>
+              <a:t>2020/8/7</a:t>
             </a:fld>
             <a:endParaRPr kumimoji="1" lang="ja-JP" altLang="en-US"/>
           </a:p>
@@ -2832,7 +2998,7 @@
             <a:fld id="{C796A756-75E9-4F4E-AAEB-46393331C2A5}" type="datetime1">
               <a:rPr kumimoji="1" lang="ja-JP" altLang="en-US" smtClean="0"/>
               <a:pPr/>
-              <a:t>2020/5/10</a:t>
+              <a:t>2020/8/7</a:t>
             </a:fld>
             <a:endParaRPr kumimoji="1" lang="ja-JP" altLang="en-US"/>
           </a:p>
@@ -2947,7 +3113,7 @@
             <a:fld id="{0DAA5E74-B02D-47EC-A636-B055CF5135F8}" type="datetime1">
               <a:rPr kumimoji="1" lang="ja-JP" altLang="en-US" smtClean="0"/>
               <a:pPr/>
-              <a:t>2020/5/10</a:t>
+              <a:t>2020/8/7</a:t>
             </a:fld>
             <a:endParaRPr kumimoji="1" lang="ja-JP" altLang="en-US"/>
           </a:p>
@@ -3039,7 +3205,7 @@
             <a:fld id="{FC58F6BD-7760-4039-BCBC-8BF1D042B1F6}" type="datetime1">
               <a:rPr kumimoji="1" lang="ja-JP" altLang="en-US" smtClean="0"/>
               <a:pPr/>
-              <a:t>2020/5/10</a:t>
+              <a:t>2020/8/7</a:t>
             </a:fld>
             <a:endParaRPr kumimoji="1" lang="ja-JP" altLang="en-US"/>
           </a:p>
@@ -3345,7 +3511,7 @@
             <a:fld id="{2594347A-1BB3-43CD-A688-B08658EBDAAF}" type="datetime1">
               <a:rPr kumimoji="1" lang="ja-JP" altLang="en-US" smtClean="0"/>
               <a:pPr/>
-              <a:t>2020/5/10</a:t>
+              <a:t>2020/8/7</a:t>
             </a:fld>
             <a:endParaRPr kumimoji="1" lang="ja-JP" altLang="en-US"/>
           </a:p>
@@ -3595,7 +3761,7 @@
             <a:fld id="{E9D5B6C3-6F18-4962-9D23-D1027A30C66B}" type="datetime1">
               <a:rPr kumimoji="1" lang="ja-JP" altLang="en-US" smtClean="0"/>
               <a:pPr/>
-              <a:t>2020/5/10</a:t>
+              <a:t>2020/8/7</a:t>
             </a:fld>
             <a:endParaRPr kumimoji="1" lang="ja-JP" altLang="en-US"/>
           </a:p>
@@ -3837,7 +4003,7 @@
             <a:fld id="{DB321377-DB13-42CF-8C33-0CA1ED4EDAC6}" type="datetime1">
               <a:rPr kumimoji="1" lang="ja-JP" altLang="en-US" smtClean="0"/>
               <a:pPr/>
-              <a:t>2020/5/10</a:t>
+              <a:t>2020/8/7</a:t>
             </a:fld>
             <a:endParaRPr kumimoji="1" lang="ja-JP" altLang="en-US"/>
           </a:p>
@@ -4692,9 +4858,25 @@
             <a:fld id="{4335036B-A90A-411B-A1E7-9EE7861BD42C}" type="datetime1">
               <a:rPr kumimoji="1" lang="ja-JP" altLang="en-US" smtClean="0"/>
               <a:pPr/>
-              <a:t>2020/5/10</a:t>
+              <a:t>2020/8/7</a:t>
             </a:fld>
-            <a:endParaRPr kumimoji="1" lang="ja-JP" altLang="en-US"/>
+            <a:r>
+              <a:rPr kumimoji="1" lang="ja-JP" altLang="en-US" dirty="0" smtClean="0"/>
+              <a:t>（</a:t>
+            </a:r>
+            <a:r>
+              <a:rPr kumimoji="1" lang="en-US" altLang="ja-JP" dirty="0" err="1" smtClean="0"/>
+              <a:t>ver</a:t>
+            </a:r>
+            <a:r>
+              <a:rPr kumimoji="1" lang="en-US" altLang="ja-JP" dirty="0" smtClean="0"/>
+              <a:t> 1.1</a:t>
+            </a:r>
+            <a:r>
+              <a:rPr kumimoji="1" lang="ja-JP" altLang="en-US" dirty="0" smtClean="0"/>
+              <a:t>）</a:t>
+            </a:r>
+            <a:endParaRPr kumimoji="1" lang="ja-JP" altLang="en-US" dirty="0"/>
           </a:p>
         </p:txBody>
       </p:sp>
@@ -5102,7 +5284,7 @@
             <a:fld id="{6CA57726-05D2-4D9F-A41C-F2E1381B158D}" type="datetime1">
               <a:rPr kumimoji="1" lang="ja-JP" altLang="en-US" smtClean="0"/>
               <a:pPr/>
-              <a:t>2020/5/10</a:t>
+              <a:t>2020/8/7</a:t>
             </a:fld>
             <a:endParaRPr kumimoji="1" lang="ja-JP" altLang="en-US"/>
           </a:p>
@@ -5325,7 +5507,15 @@
             </a:r>
             <a:r>
               <a:rPr lang="ja-JP" altLang="en-US" dirty="0" smtClean="0"/>
-              <a:t>の希釈について</a:t>
+              <a:t>の希釈について（</a:t>
+            </a:r>
+            <a:r>
+              <a:rPr lang="en-US" altLang="ja-JP" dirty="0" smtClean="0"/>
+              <a:t>1/2</a:t>
+            </a:r>
+            <a:r>
+              <a:rPr lang="ja-JP" altLang="en-US" dirty="0" smtClean="0"/>
+              <a:t>）</a:t>
             </a:r>
             <a:endParaRPr kumimoji="1" lang="ja-JP" altLang="en-US" dirty="0"/>
           </a:p>
@@ -5344,7 +5534,7 @@
         <p:spPr/>
         <p:txBody>
           <a:bodyPr>
-            <a:normAutofit fontScale="92500" lnSpcReduction="20000"/>
+            <a:normAutofit/>
           </a:bodyPr>
           <a:lstStyle/>
           <a:p>
@@ -5515,114 +5705,99 @@
           </a:p>
           <a:p>
             <a:pPr lvl="3"/>
+            <a:endParaRPr kumimoji="1" lang="en-US" altLang="ja-JP" dirty="0" smtClean="0"/>
+          </a:p>
+          <a:p>
+            <a:pPr lvl="1"/>
+            <a:r>
+              <a:rPr lang="ja-JP" altLang="en-US" dirty="0" smtClean="0"/>
+              <a:t>クリア系（</a:t>
+            </a:r>
+            <a:r>
+              <a:rPr lang="en-US" altLang="ja-JP" dirty="0" smtClean="0"/>
+              <a:t>N-20</a:t>
+            </a:r>
+            <a:r>
+              <a:rPr lang="ja-JP" altLang="en-US" dirty="0" err="1" smtClean="0"/>
+              <a:t>や</a:t>
+            </a:r>
+            <a:r>
+              <a:rPr lang="en-US" altLang="ja-JP" dirty="0" smtClean="0"/>
+              <a:t>N-30</a:t>
+            </a:r>
+            <a:r>
+              <a:rPr lang="ja-JP" altLang="en-US" dirty="0" smtClean="0"/>
+              <a:t>）は、</a:t>
+            </a:r>
+            <a:r>
+              <a:rPr lang="en-US" altLang="ja-JP" b="1" dirty="0" smtClean="0"/>
+              <a:t>1:2</a:t>
+            </a:r>
+            <a:r>
+              <a:rPr lang="ja-JP" altLang="en-US" b="1" dirty="0" smtClean="0"/>
+              <a:t>（か、それ以上）</a:t>
+            </a:r>
+            <a:endParaRPr lang="en-US" altLang="ja-JP" b="1" dirty="0" smtClean="0"/>
+          </a:p>
+          <a:p>
+            <a:pPr lvl="2"/>
+            <a:r>
+              <a:rPr lang="en-US" altLang="ja-JP" dirty="0" smtClean="0"/>
+              <a:t>0.8</a:t>
+            </a:r>
+            <a:r>
+              <a:rPr lang="ja-JP" altLang="en-US" dirty="0" smtClean="0"/>
+              <a:t>倍で普通に詰まった</a:t>
+            </a:r>
+            <a:r>
+              <a:rPr lang="en-US" altLang="ja-JP" dirty="0" smtClean="0"/>
+              <a:t>(</a:t>
+            </a:r>
+            <a:r>
+              <a:rPr lang="ja-JP" altLang="en-US" dirty="0" smtClean="0"/>
+              <a:t>笑</a:t>
+            </a:r>
+            <a:r>
+              <a:rPr lang="en-US" altLang="ja-JP" dirty="0" smtClean="0"/>
+              <a:t>)</a:t>
+            </a:r>
+          </a:p>
+          <a:p>
+            <a:pPr lvl="2"/>
+            <a:r>
+              <a:rPr lang="ja-JP" altLang="en-US" dirty="0" smtClean="0"/>
+              <a:t>こちらは</a:t>
+            </a:r>
+            <a:r>
+              <a:rPr lang="ja-JP" altLang="en-US" dirty="0" err="1" smtClean="0"/>
+              <a:t>おししょ</a:t>
+            </a:r>
+            <a:r>
+              <a:rPr lang="ja-JP" altLang="en-US" dirty="0" smtClean="0"/>
+              <a:t>ーさま（</a:t>
+            </a:r>
+            <a:r>
+              <a:rPr lang="en-US" dirty="0" smtClean="0"/>
+              <a:t> @gong011976 </a:t>
+            </a:r>
+            <a:r>
+              <a:rPr lang="ja-JP" altLang="en-US" dirty="0" smtClean="0"/>
+              <a:t>）からの情報</a:t>
+            </a:r>
             <a:endParaRPr lang="en-US" altLang="ja-JP" dirty="0" smtClean="0"/>
           </a:p>
           <a:p>
-            <a:r>
-              <a:rPr kumimoji="1" lang="ja-JP" altLang="en-US" dirty="0" smtClean="0"/>
-              <a:t>アクリジョンベースカラー</a:t>
-            </a:r>
-            <a:endParaRPr kumimoji="1" lang="en-US" altLang="ja-JP" dirty="0" smtClean="0"/>
-          </a:p>
-          <a:p>
-            <a:pPr marL="742950" lvl="2" indent="-342900"/>
-            <a:r>
-              <a:rPr lang="ja-JP" altLang="en-US" dirty="0"/>
-              <a:t>塗料とうすめ液は、</a:t>
-            </a:r>
-            <a:r>
-              <a:rPr lang="en-US" altLang="ja-JP" b="1" dirty="0" smtClean="0">
-                <a:solidFill>
-                  <a:srgbClr val="FF0000"/>
-                </a:solidFill>
-              </a:rPr>
-              <a:t>1:1.1</a:t>
-            </a:r>
-          </a:p>
-          <a:p>
-            <a:pPr marL="1200150" lvl="3" indent="-342900"/>
-            <a:r>
-              <a:rPr lang="ja-JP" altLang="en-US" dirty="0" smtClean="0"/>
-              <a:t>ベースホワイトは、最近</a:t>
-            </a:r>
-            <a:r>
-              <a:rPr lang="en-US" altLang="ja-JP" dirty="0" smtClean="0"/>
-              <a:t>1.1</a:t>
-            </a:r>
-            <a:endParaRPr lang="en-US" altLang="ja-JP" dirty="0"/>
-          </a:p>
-          <a:p>
-            <a:pPr marL="1200150" lvl="3" indent="-342900"/>
-            <a:r>
-              <a:rPr lang="ja-JP" altLang="en-US" dirty="0" smtClean="0"/>
-              <a:t>ベースグレーは</a:t>
-            </a:r>
-            <a:r>
-              <a:rPr lang="en-US" altLang="ja-JP" dirty="0" smtClean="0"/>
-              <a:t>1.2</a:t>
-            </a:r>
-            <a:r>
-              <a:rPr lang="ja-JP" altLang="en-US" dirty="0" smtClean="0"/>
-              <a:t>でないと詰まりそうだった</a:t>
+            <a:pPr lvl="2"/>
+            <a:r>
+              <a:rPr lang="ja-JP" altLang="en-US" dirty="0" smtClean="0"/>
+              <a:t>検証中です</a:t>
             </a:r>
             <a:endParaRPr lang="en-US" altLang="ja-JP" dirty="0" smtClean="0"/>
           </a:p>
           <a:p>
-            <a:pPr marL="1200150" lvl="3" indent="-342900"/>
-            <a:r>
-              <a:rPr lang="ja-JP" altLang="en-US" dirty="0" smtClean="0"/>
-              <a:t>自作のベースピンク（ホワイト</a:t>
-            </a:r>
-            <a:r>
-              <a:rPr lang="en-US" altLang="ja-JP" dirty="0" smtClean="0"/>
-              <a:t>95%</a:t>
-            </a:r>
-            <a:r>
-              <a:rPr lang="ja-JP" altLang="en-US" dirty="0" smtClean="0"/>
-              <a:t>＋レッド</a:t>
-            </a:r>
-            <a:r>
-              <a:rPr lang="en-US" altLang="ja-JP" dirty="0" smtClean="0"/>
-              <a:t>5%</a:t>
-            </a:r>
-            <a:r>
-              <a:rPr lang="ja-JP" altLang="en-US" dirty="0" smtClean="0"/>
-              <a:t>）は</a:t>
-            </a:r>
-            <a:r>
-              <a:rPr lang="en-US" altLang="ja-JP" dirty="0" smtClean="0"/>
-              <a:t>1.2</a:t>
-            </a:r>
-            <a:r>
-              <a:rPr lang="ja-JP" altLang="en-US" dirty="0" err="1" smtClean="0"/>
-              <a:t>で</a:t>
-            </a:r>
-            <a:r>
-              <a:rPr lang="ja-JP" altLang="en-US" dirty="0" smtClean="0"/>
-              <a:t>した</a:t>
-            </a:r>
-            <a:endParaRPr lang="en-US" altLang="ja-JP" dirty="0"/>
-          </a:p>
-          <a:p>
-            <a:pPr marL="1200150" lvl="3" indent="-342900"/>
-            <a:r>
-              <a:rPr lang="ja-JP" altLang="en-US" dirty="0" smtClean="0"/>
-              <a:t>同じベースカラーでも希釈率は変えていく予定</a:t>
-            </a:r>
+            <a:pPr lvl="2"/>
             <a:endParaRPr lang="en-US" altLang="ja-JP" dirty="0" smtClean="0"/>
           </a:p>
-          <a:p>
-            <a:pPr marL="1200150" lvl="3" indent="-342900"/>
-            <a:r>
-              <a:rPr lang="ja-JP" altLang="en-US" dirty="0"/>
-              <a:t>計り方</a:t>
-            </a:r>
-            <a:r>
-              <a:rPr lang="ja-JP" altLang="en-US" dirty="0" smtClean="0"/>
-              <a:t>は通常のアクリジョンと同様（上記参照）</a:t>
-            </a:r>
-            <a:endParaRPr lang="en-US" altLang="ja-JP" dirty="0"/>
-          </a:p>
         </p:txBody>
       </p:sp>
       <p:sp>
@@ -5643,7 +5818,7 @@
             <a:fld id="{BF53A6DB-6F97-4A40-897D-1BF3EBC36E17}" type="datetime1">
               <a:rPr kumimoji="1" lang="ja-JP" altLang="en-US" smtClean="0"/>
               <a:pPr/>
-              <a:t>2020/5/10</a:t>
+              <a:t>2020/8/7</a:t>
             </a:fld>
             <a:endParaRPr kumimoji="1" lang="ja-JP" altLang="en-US"/>
           </a:p>
@@ -5746,7 +5921,274 @@
             </a:r>
             <a:r>
               <a:rPr lang="ja-JP" altLang="en-US" dirty="0" smtClean="0"/>
-              <a:t>の塗装とエア圧について</a:t>
+              <a:t>の希釈について（</a:t>
+            </a:r>
+            <a:r>
+              <a:rPr lang="en-US" altLang="ja-JP" dirty="0" smtClean="0"/>
+              <a:t>2/2</a:t>
+            </a:r>
+            <a:r>
+              <a:rPr lang="ja-JP" altLang="en-US" dirty="0" smtClean="0"/>
+              <a:t>）</a:t>
+            </a:r>
+            <a:endParaRPr kumimoji="1" lang="ja-JP" altLang="en-US" dirty="0"/>
+          </a:p>
+        </p:txBody>
+      </p:sp>
+      <p:sp>
+        <p:nvSpPr>
+          <p:cNvPr id="3" name="コンテンツ プレースホルダ 2"/>
+          <p:cNvSpPr>
+            <a:spLocks noGrp="1"/>
+          </p:cNvSpPr>
+          <p:nvPr>
+            <p:ph idx="1"/>
+          </p:nvPr>
+        </p:nvSpPr>
+        <p:spPr/>
+        <p:txBody>
+          <a:bodyPr>
+            <a:normAutofit/>
+          </a:bodyPr>
+          <a:lstStyle/>
+          <a:p>
+            <a:r>
+              <a:rPr kumimoji="1" lang="ja-JP" altLang="en-US" dirty="0" smtClean="0"/>
+              <a:t>アクリジョンベースカラー</a:t>
+            </a:r>
+            <a:endParaRPr kumimoji="1" lang="en-US" altLang="ja-JP" dirty="0" smtClean="0"/>
+          </a:p>
+          <a:p>
+            <a:pPr marL="742950" lvl="2" indent="-342900"/>
+            <a:r>
+              <a:rPr lang="ja-JP" altLang="en-US" dirty="0"/>
+              <a:t>塗料とうすめ液は、</a:t>
+            </a:r>
+            <a:r>
+              <a:rPr lang="en-US" altLang="ja-JP" b="1" dirty="0" smtClean="0">
+                <a:solidFill>
+                  <a:srgbClr val="FF0000"/>
+                </a:solidFill>
+              </a:rPr>
+              <a:t>1:1.1</a:t>
+            </a:r>
+          </a:p>
+          <a:p>
+            <a:pPr marL="1200150" lvl="3" indent="-342900"/>
+            <a:r>
+              <a:rPr lang="ja-JP" altLang="en-US" dirty="0" smtClean="0"/>
+              <a:t>ベースホワイトは、最近</a:t>
+            </a:r>
+            <a:r>
+              <a:rPr lang="en-US" altLang="ja-JP" dirty="0" smtClean="0"/>
+              <a:t>1.1</a:t>
+            </a:r>
+            <a:endParaRPr lang="en-US" altLang="ja-JP" dirty="0"/>
+          </a:p>
+          <a:p>
+            <a:pPr marL="1200150" lvl="3" indent="-342900"/>
+            <a:r>
+              <a:rPr lang="ja-JP" altLang="en-US" dirty="0" smtClean="0"/>
+              <a:t>ベースグレーは</a:t>
+            </a:r>
+            <a:r>
+              <a:rPr lang="en-US" altLang="ja-JP" dirty="0" smtClean="0"/>
+              <a:t>1.2</a:t>
+            </a:r>
+            <a:r>
+              <a:rPr lang="ja-JP" altLang="en-US" dirty="0" smtClean="0"/>
+              <a:t>でないと詰まりそうだった</a:t>
+            </a:r>
+            <a:endParaRPr lang="en-US" altLang="ja-JP" dirty="0" smtClean="0"/>
+          </a:p>
+          <a:p>
+            <a:pPr marL="1200150" lvl="3" indent="-342900"/>
+            <a:r>
+              <a:rPr lang="ja-JP" altLang="en-US" dirty="0" smtClean="0"/>
+              <a:t>自作のベースピンク（ホワイト</a:t>
+            </a:r>
+            <a:r>
+              <a:rPr lang="en-US" altLang="ja-JP" dirty="0" smtClean="0"/>
+              <a:t>95%</a:t>
+            </a:r>
+            <a:r>
+              <a:rPr lang="ja-JP" altLang="en-US" dirty="0" smtClean="0"/>
+              <a:t>＋レッド</a:t>
+            </a:r>
+            <a:r>
+              <a:rPr lang="en-US" altLang="ja-JP" dirty="0" smtClean="0"/>
+              <a:t>5%</a:t>
+            </a:r>
+            <a:r>
+              <a:rPr lang="ja-JP" altLang="en-US" dirty="0" smtClean="0"/>
+              <a:t>）は</a:t>
+            </a:r>
+            <a:r>
+              <a:rPr lang="en-US" altLang="ja-JP" dirty="0" smtClean="0"/>
+              <a:t>1.2</a:t>
+            </a:r>
+            <a:r>
+              <a:rPr lang="ja-JP" altLang="en-US" dirty="0" err="1" smtClean="0"/>
+              <a:t>で</a:t>
+            </a:r>
+            <a:r>
+              <a:rPr lang="ja-JP" altLang="en-US" dirty="0" smtClean="0"/>
+              <a:t>した</a:t>
+            </a:r>
+            <a:endParaRPr lang="en-US" altLang="ja-JP" dirty="0"/>
+          </a:p>
+          <a:p>
+            <a:pPr marL="1200150" lvl="3" indent="-342900"/>
+            <a:r>
+              <a:rPr lang="ja-JP" altLang="en-US" dirty="0" smtClean="0"/>
+              <a:t>同じベースカラーでも希釈率は変えていく予定</a:t>
+            </a:r>
+            <a:endParaRPr lang="en-US" altLang="ja-JP" dirty="0" smtClean="0"/>
+          </a:p>
+          <a:p>
+            <a:pPr marL="1200150" lvl="3" indent="-342900"/>
+            <a:r>
+              <a:rPr lang="ja-JP" altLang="en-US" dirty="0"/>
+              <a:t>計り方</a:t>
+            </a:r>
+            <a:r>
+              <a:rPr lang="ja-JP" altLang="en-US" dirty="0" smtClean="0"/>
+              <a:t>は通常のアクリジョンと同様（上記参照）</a:t>
+            </a:r>
+            <a:endParaRPr lang="en-US" altLang="ja-JP" dirty="0"/>
+          </a:p>
+        </p:txBody>
+      </p:sp>
+      <p:sp>
+        <p:nvSpPr>
+          <p:cNvPr id="4" name="日付プレースホルダ 3"/>
+          <p:cNvSpPr>
+            <a:spLocks noGrp="1"/>
+          </p:cNvSpPr>
+          <p:nvPr>
+            <p:ph type="dt" sz="half" idx="10"/>
+          </p:nvPr>
+        </p:nvSpPr>
+        <p:spPr/>
+        <p:txBody>
+          <a:bodyPr/>
+          <a:lstStyle/>
+          <a:p>
+            <a:fld id="{BF53A6DB-6F97-4A40-897D-1BF3EBC36E17}" type="datetime1">
+              <a:rPr kumimoji="1" lang="ja-JP" altLang="en-US" smtClean="0"/>
+              <a:pPr/>
+              <a:t>2020/8/7</a:t>
+            </a:fld>
+            <a:endParaRPr kumimoji="1" lang="ja-JP" altLang="en-US"/>
+          </a:p>
+        </p:txBody>
+      </p:sp>
+      <p:sp>
+        <p:nvSpPr>
+          <p:cNvPr id="5" name="スライド番号プレースホルダ 4"/>
+          <p:cNvSpPr>
+            <a:spLocks noGrp="1"/>
+          </p:cNvSpPr>
+          <p:nvPr>
+            <p:ph type="sldNum" sz="quarter" idx="12"/>
+          </p:nvPr>
+        </p:nvSpPr>
+        <p:spPr/>
+        <p:txBody>
+          <a:bodyPr/>
+          <a:lstStyle/>
+          <a:p>
+            <a:fld id="{238F9A43-F33B-4795-8C8B-BB713306F7D6}" type="slidenum">
+              <a:rPr kumimoji="1" lang="ja-JP" altLang="en-US" smtClean="0"/>
+              <a:pPr/>
+              <a:t>5</a:t>
+            </a:fld>
+            <a:endParaRPr kumimoji="1" lang="ja-JP" altLang="en-US"/>
+          </a:p>
+        </p:txBody>
+      </p:sp>
+      <p:sp>
+        <p:nvSpPr>
+          <p:cNvPr id="6" name="フッター プレースホルダ 5"/>
+          <p:cNvSpPr>
+            <a:spLocks noGrp="1"/>
+          </p:cNvSpPr>
+          <p:nvPr>
+            <p:ph type="ftr" sz="quarter" idx="11"/>
+          </p:nvPr>
+        </p:nvSpPr>
+        <p:spPr/>
+        <p:txBody>
+          <a:bodyPr/>
+          <a:lstStyle/>
+          <a:p>
+            <a:r>
+              <a:rPr lang="en-US" altLang="ja-JP" dirty="0"/>
+              <a:t>@</a:t>
+            </a:r>
+            <a:r>
+              <a:rPr lang="en-US" altLang="ja-JP" dirty="0" smtClean="0"/>
+              <a:t>kazz185</a:t>
+            </a:r>
+            <a:endParaRPr lang="ja-JP" altLang="en-US" dirty="0"/>
+          </a:p>
+        </p:txBody>
+      </p:sp>
+    </p:spTree>
+  </p:cSld>
+  <p:clrMapOvr>
+    <a:masterClrMapping/>
+  </p:clrMapOvr>
+</p:sld>
+</file>
+
+<file path=ppt/slides/slide6.xml><?xml version="1.0" encoding="utf-8"?>
+<p:sld xmlns:a="http://schemas.openxmlformats.org/drawingml/2006/main" xmlns:r="http://schemas.openxmlformats.org/officeDocument/2006/relationships" xmlns:p="http://schemas.openxmlformats.org/presentationml/2006/main">
+  <p:cSld>
+    <p:spTree>
+      <p:nvGrpSpPr>
+        <p:cNvPr id="1" name=""/>
+        <p:cNvGrpSpPr/>
+        <p:nvPr/>
+      </p:nvGrpSpPr>
+      <p:grpSpPr>
+        <a:xfrm>
+          <a:off x="0" y="0"/>
+          <a:ext cx="0" cy="0"/>
+          <a:chOff x="0" y="0"/>
+          <a:chExt cx="0" cy="0"/>
+        </a:xfrm>
+      </p:grpSpPr>
+      <p:sp>
+        <p:nvSpPr>
+          <p:cNvPr id="2" name="タイトル 1"/>
+          <p:cNvSpPr>
+            <a:spLocks noGrp="1"/>
+          </p:cNvSpPr>
+          <p:nvPr>
+            <p:ph type="title"/>
+          </p:nvPr>
+        </p:nvSpPr>
+        <p:spPr/>
+        <p:txBody>
+          <a:bodyPr/>
+          <a:lstStyle/>
+          <a:p>
+            <a:r>
+              <a:rPr lang="ja-JP" altLang="en-US" dirty="0"/>
+              <a:t>エアブラシで</a:t>
+            </a:r>
+            <a:r>
+              <a:rPr lang="ja-JP" altLang="en-US" dirty="0" smtClean="0"/>
+              <a:t>の塗装とエア圧について（</a:t>
+            </a:r>
+            <a:r>
+              <a:rPr lang="en-US" altLang="ja-JP" dirty="0" smtClean="0"/>
+              <a:t>1/2</a:t>
+            </a:r>
+            <a:r>
+              <a:rPr lang="ja-JP" altLang="en-US" dirty="0" smtClean="0"/>
+              <a:t>）</a:t>
             </a:r>
             <a:endParaRPr kumimoji="1" lang="ja-JP" altLang="en-US" dirty="0"/>
           </a:p>
@@ -6052,7 +6494,7 @@
             <a:fld id="{BF53A6DB-6F97-4A40-897D-1BF3EBC36E17}" type="datetime1">
               <a:rPr kumimoji="1" lang="ja-JP" altLang="en-US" smtClean="0"/>
               <a:pPr/>
-              <a:t>2020/5/10</a:t>
+              <a:t>2020/8/7</a:t>
             </a:fld>
             <a:endParaRPr kumimoji="1" lang="ja-JP" altLang="en-US"/>
           </a:p>
@@ -6076,7 +6518,331 @@
             <a:fld id="{238F9A43-F33B-4795-8C8B-BB713306F7D6}" type="slidenum">
               <a:rPr kumimoji="1" lang="ja-JP" altLang="en-US" smtClean="0"/>
               <a:pPr/>
-              <a:t>5</a:t>
+              <a:t>6</a:t>
+            </a:fld>
+            <a:endParaRPr kumimoji="1" lang="ja-JP" altLang="en-US"/>
+          </a:p>
+        </p:txBody>
+      </p:sp>
+      <p:sp>
+        <p:nvSpPr>
+          <p:cNvPr id="6" name="フッター プレースホルダ 5"/>
+          <p:cNvSpPr>
+            <a:spLocks noGrp="1"/>
+          </p:cNvSpPr>
+          <p:nvPr>
+            <p:ph type="ftr" sz="quarter" idx="11"/>
+          </p:nvPr>
+        </p:nvSpPr>
+        <p:spPr/>
+        <p:txBody>
+          <a:bodyPr/>
+          <a:lstStyle/>
+          <a:p>
+            <a:r>
+              <a:rPr lang="en-US" altLang="ja-JP" dirty="0"/>
+              <a:t>@</a:t>
+            </a:r>
+            <a:r>
+              <a:rPr lang="en-US" altLang="ja-JP" dirty="0" smtClean="0"/>
+              <a:t>kazz185</a:t>
+            </a:r>
+            <a:endParaRPr lang="ja-JP" altLang="en-US" dirty="0"/>
+          </a:p>
+        </p:txBody>
+      </p:sp>
+    </p:spTree>
+  </p:cSld>
+  <p:clrMapOvr>
+    <a:masterClrMapping/>
+  </p:clrMapOvr>
+</p:sld>
+</file>
+
+<file path=ppt/slides/slide7.xml><?xml version="1.0" encoding="utf-8"?>
+<p:sld xmlns:a="http://schemas.openxmlformats.org/drawingml/2006/main" xmlns:r="http://schemas.openxmlformats.org/officeDocument/2006/relationships" xmlns:p="http://schemas.openxmlformats.org/presentationml/2006/main">
+  <p:cSld>
+    <p:spTree>
+      <p:nvGrpSpPr>
+        <p:cNvPr id="1" name=""/>
+        <p:cNvGrpSpPr/>
+        <p:nvPr/>
+      </p:nvGrpSpPr>
+      <p:grpSpPr>
+        <a:xfrm>
+          <a:off x="0" y="0"/>
+          <a:ext cx="0" cy="0"/>
+          <a:chOff x="0" y="0"/>
+          <a:chExt cx="0" cy="0"/>
+        </a:xfrm>
+      </p:grpSpPr>
+      <p:sp>
+        <p:nvSpPr>
+          <p:cNvPr id="2" name="タイトル 1"/>
+          <p:cNvSpPr>
+            <a:spLocks noGrp="1"/>
+          </p:cNvSpPr>
+          <p:nvPr>
+            <p:ph type="title"/>
+          </p:nvPr>
+        </p:nvSpPr>
+        <p:spPr/>
+        <p:txBody>
+          <a:bodyPr/>
+          <a:lstStyle/>
+          <a:p>
+            <a:r>
+              <a:rPr lang="ja-JP" altLang="en-US" dirty="0"/>
+              <a:t>エアブラシで</a:t>
+            </a:r>
+            <a:r>
+              <a:rPr lang="ja-JP" altLang="en-US" dirty="0" smtClean="0"/>
+              <a:t>の塗装とエア圧について（</a:t>
+            </a:r>
+            <a:r>
+              <a:rPr lang="en-US" altLang="ja-JP" dirty="0" smtClean="0"/>
+              <a:t>2/2</a:t>
+            </a:r>
+            <a:r>
+              <a:rPr lang="ja-JP" altLang="en-US" dirty="0" smtClean="0"/>
+              <a:t>）</a:t>
+            </a:r>
+            <a:endParaRPr kumimoji="1" lang="ja-JP" altLang="en-US" dirty="0"/>
+          </a:p>
+        </p:txBody>
+      </p:sp>
+      <p:sp>
+        <p:nvSpPr>
+          <p:cNvPr id="3" name="コンテンツ プレースホルダ 2"/>
+          <p:cNvSpPr>
+            <a:spLocks noGrp="1"/>
+          </p:cNvSpPr>
+          <p:nvPr>
+            <p:ph idx="1"/>
+          </p:nvPr>
+        </p:nvSpPr>
+        <p:spPr/>
+        <p:txBody>
+          <a:bodyPr>
+            <a:normAutofit fontScale="92500" lnSpcReduction="20000"/>
+          </a:bodyPr>
+          <a:lstStyle/>
+          <a:p>
+            <a:pPr>
+              <a:buNone/>
+            </a:pPr>
+            <a:endParaRPr kumimoji="1" lang="en-US" altLang="ja-JP" dirty="0" smtClean="0"/>
+          </a:p>
+          <a:p>
+            <a:r>
+              <a:rPr kumimoji="1" lang="ja-JP" altLang="en-US" dirty="0" smtClean="0"/>
+              <a:t>ときどき</a:t>
+            </a:r>
+            <a:r>
+              <a:rPr kumimoji="1" lang="ja-JP" altLang="en-US" b="1" dirty="0" smtClean="0">
+                <a:solidFill>
+                  <a:srgbClr val="FF0000"/>
+                </a:solidFill>
+              </a:rPr>
+              <a:t>うがい</a:t>
+            </a:r>
+            <a:r>
+              <a:rPr kumimoji="1" lang="ja-JP" altLang="en-US" dirty="0" smtClean="0"/>
+              <a:t>する</a:t>
+            </a:r>
+            <a:endParaRPr kumimoji="1" lang="en-US" altLang="ja-JP" dirty="0" smtClean="0"/>
+          </a:p>
+          <a:p>
+            <a:pPr lvl="1"/>
+            <a:r>
+              <a:rPr lang="ja-JP" altLang="en-US" dirty="0" smtClean="0"/>
+              <a:t>先端のねじを緩めて空気をカップに逆流させるアレ</a:t>
+            </a:r>
+            <a:endParaRPr kumimoji="1" lang="en-US" altLang="ja-JP" dirty="0" smtClean="0"/>
+          </a:p>
+          <a:p>
+            <a:pPr lvl="1"/>
+            <a:r>
+              <a:rPr lang="ja-JP" altLang="en-US" dirty="0" smtClean="0"/>
+              <a:t>ハンドピースのカップ内で固まっていくのを防げます（あとの掃除が楽になる）</a:t>
+            </a:r>
+            <a:endParaRPr kumimoji="1" lang="en-US" altLang="ja-JP" dirty="0" smtClean="0"/>
+          </a:p>
+          <a:p>
+            <a:pPr lvl="1"/>
+            <a:r>
+              <a:rPr lang="ja-JP" altLang="en-US" dirty="0" smtClean="0"/>
+              <a:t>１パーツ塗装→乾燥ブースに入れて次のパーツを塗装する前にうがい</a:t>
+            </a:r>
+            <a:endParaRPr kumimoji="1" lang="en-US" altLang="ja-JP" dirty="0" smtClean="0"/>
+          </a:p>
+          <a:p>
+            <a:pPr lvl="1"/>
+            <a:r>
+              <a:rPr kumimoji="1" lang="ja-JP" altLang="en-US" dirty="0" smtClean="0"/>
+              <a:t>メタリック系は沈殿しやすいのでこまめに！</a:t>
+            </a:r>
+            <a:endParaRPr kumimoji="1" lang="en-US" altLang="ja-JP" dirty="0" smtClean="0"/>
+          </a:p>
+          <a:p>
+            <a:r>
+              <a:rPr lang="ja-JP" altLang="en-US" dirty="0" smtClean="0"/>
+              <a:t>終わったら</a:t>
+            </a:r>
+            <a:r>
+              <a:rPr lang="ja-JP" altLang="en-US" b="1" dirty="0" smtClean="0">
+                <a:solidFill>
+                  <a:srgbClr val="FF0000"/>
+                </a:solidFill>
+              </a:rPr>
+              <a:t>すぐ掃除する</a:t>
+            </a:r>
+            <a:endParaRPr lang="en-US" altLang="ja-JP" dirty="0" smtClean="0"/>
+          </a:p>
+          <a:p>
+            <a:pPr lvl="1"/>
+            <a:r>
+              <a:rPr lang="ja-JP" altLang="en-US" dirty="0" smtClean="0"/>
+              <a:t>水と専用ツールクリーナー</a:t>
+            </a:r>
+            <a:endParaRPr lang="en-US" altLang="ja-JP" dirty="0" smtClean="0"/>
+          </a:p>
+          <a:p>
+            <a:pPr lvl="2"/>
+            <a:r>
+              <a:rPr lang="ja-JP" altLang="en-US" dirty="0" smtClean="0"/>
+              <a:t>カップ半分まで水をいれてうがい→捨てる</a:t>
+            </a:r>
+            <a:endParaRPr lang="en-US" altLang="ja-JP" dirty="0" smtClean="0"/>
+          </a:p>
+          <a:p>
+            <a:pPr lvl="2"/>
+            <a:r>
+              <a:rPr lang="ja-JP" altLang="en-US" dirty="0" smtClean="0"/>
+              <a:t>ツールクリーナーをカップに入れてうがい→塗装ブース内に吹付け</a:t>
+            </a:r>
+            <a:endParaRPr lang="en-US" altLang="ja-JP" dirty="0" smtClean="0"/>
+          </a:p>
+          <a:p>
+            <a:pPr lvl="2"/>
+            <a:r>
+              <a:rPr lang="ja-JP" altLang="en-US" dirty="0" smtClean="0"/>
+              <a:t>カップとニードルを外して、掃除（終わったら戻す）</a:t>
+            </a:r>
+            <a:endParaRPr lang="en-US" altLang="ja-JP" dirty="0" smtClean="0"/>
+          </a:p>
+          <a:p>
+            <a:pPr lvl="3"/>
+            <a:r>
+              <a:rPr lang="ja-JP" altLang="en-US" dirty="0" smtClean="0"/>
+              <a:t>ツールクリーナーをしみこませた綿棒で、ニードルを掃除する</a:t>
+            </a:r>
+            <a:endParaRPr lang="en-US" altLang="ja-JP" dirty="0" smtClean="0"/>
+          </a:p>
+          <a:p>
+            <a:pPr lvl="3"/>
+            <a:r>
+              <a:rPr lang="ja-JP" altLang="en-US" dirty="0" smtClean="0"/>
+              <a:t>同じくツールクリーナーをしみこませた綿棒で、ハンドピース内を掃除</a:t>
+            </a:r>
+            <a:endParaRPr lang="en-US" altLang="ja-JP" dirty="0" smtClean="0"/>
+          </a:p>
+          <a:p>
+            <a:pPr lvl="3"/>
+            <a:r>
+              <a:rPr lang="ja-JP" altLang="en-US" dirty="0" smtClean="0"/>
+              <a:t>塗料皿に出したツールクリーナーでキャップを外した塗料ノズルを掃除</a:t>
+            </a:r>
+            <a:endParaRPr lang="en-US" altLang="ja-JP" dirty="0" smtClean="0"/>
+          </a:p>
+          <a:p>
+            <a:pPr lvl="2"/>
+            <a:r>
+              <a:rPr lang="ja-JP" altLang="en-US" dirty="0" smtClean="0"/>
+              <a:t>外したものを元に戻して水でうがい→塗装ブース内に吹付け</a:t>
+            </a:r>
+            <a:endParaRPr lang="en-US" altLang="ja-JP" dirty="0" smtClean="0"/>
+          </a:p>
+          <a:p>
+            <a:pPr lvl="1"/>
+            <a:r>
+              <a:rPr lang="ja-JP" altLang="en-US" dirty="0" smtClean="0"/>
+              <a:t>あまり推奨されてないのは承知</a:t>
+            </a:r>
+            <a:endParaRPr lang="en-US" altLang="ja-JP" dirty="0" smtClean="0"/>
+          </a:p>
+          <a:p>
+            <a:pPr lvl="1"/>
+            <a:r>
+              <a:rPr lang="ja-JP" altLang="en-US" dirty="0" smtClean="0"/>
+              <a:t>ラッカー系と違って固まったら最後なのでここまでやってます</a:t>
+            </a:r>
+            <a:endParaRPr lang="en-US" altLang="ja-JP" dirty="0" smtClean="0"/>
+          </a:p>
+          <a:p>
+            <a:pPr lvl="2"/>
+            <a:r>
+              <a:rPr lang="ja-JP" altLang="en-US" dirty="0" smtClean="0"/>
+              <a:t>メタリック塗料を吹いたらこの掃除だけじゃ足りなかった</a:t>
+            </a:r>
+            <a:r>
+              <a:rPr lang="en-US" altLang="ja-JP" dirty="0" smtClean="0"/>
+              <a:t>(´;ω;</a:t>
+            </a:r>
+            <a:r>
+              <a:rPr lang="ja-JP" altLang="en-US" dirty="0" smtClean="0"/>
+              <a:t>｀</a:t>
+            </a:r>
+            <a:r>
+              <a:rPr lang="en-US" altLang="ja-JP" dirty="0" smtClean="0"/>
+              <a:t>)</a:t>
+            </a:r>
+          </a:p>
+        </p:txBody>
+      </p:sp>
+      <p:sp>
+        <p:nvSpPr>
+          <p:cNvPr id="4" name="日付プレースホルダ 3"/>
+          <p:cNvSpPr>
+            <a:spLocks noGrp="1"/>
+          </p:cNvSpPr>
+          <p:nvPr>
+            <p:ph type="dt" sz="half" idx="10"/>
+          </p:nvPr>
+        </p:nvSpPr>
+        <p:spPr/>
+        <p:txBody>
+          <a:bodyPr/>
+          <a:lstStyle/>
+          <a:p>
+            <a:fld id="{BF53A6DB-6F97-4A40-897D-1BF3EBC36E17}" type="datetime1">
+              <a:rPr kumimoji="1" lang="ja-JP" altLang="en-US" smtClean="0"/>
+              <a:pPr/>
+              <a:t>2020/8/7</a:t>
+            </a:fld>
+            <a:endParaRPr kumimoji="1" lang="ja-JP" altLang="en-US"/>
+          </a:p>
+        </p:txBody>
+      </p:sp>
+      <p:sp>
+        <p:nvSpPr>
+          <p:cNvPr id="5" name="スライド番号プレースホルダ 4"/>
+          <p:cNvSpPr>
+            <a:spLocks noGrp="1"/>
+          </p:cNvSpPr>
+          <p:nvPr>
+            <p:ph type="sldNum" sz="quarter" idx="12"/>
+          </p:nvPr>
+        </p:nvSpPr>
+        <p:spPr/>
+        <p:txBody>
+          <a:bodyPr/>
+          <a:lstStyle/>
+          <a:p>
+            <a:fld id="{238F9A43-F33B-4795-8C8B-BB713306F7D6}" type="slidenum">
+              <a:rPr kumimoji="1" lang="ja-JP" altLang="en-US" smtClean="0"/>
+              <a:pPr/>
+              <a:t>7</a:t>
             </a:fld>
             <a:endParaRPr kumimoji="1" lang="ja-JP" altLang="en-US"/>
           </a:p>
